--- a/xetroc.pptx
+++ b/xetroc.pptx
@@ -128,7 +128,7 @@
 <file path=ppt/revisionInfo.xml><?xml version="1.0" encoding="utf-8"?>
 <p1510:revInfo xmlns:a="http://schemas.openxmlformats.org/drawingml/2006/main" xmlns:r="http://schemas.openxmlformats.org/officeDocument/2006/relationships" xmlns:p1510="http://schemas.microsoft.com/office/powerpoint/2015/10/main">
   <p1510:revLst>
-    <p1510:client id="{565BA6EC-5A4B-4C61-9352-E8328A0A48A5}" v="132" dt="2025-03-30T13:41:57.817"/>
+    <p1510:client id="{565BA6EC-5A4B-4C61-9352-E8328A0A48A5}" v="136" dt="2025-04-01T06:20:59.520"/>
   </p1510:revLst>
 </p1510:revInfo>
 </file>
@@ -138,7 +138,7 @@
   <pc:docChgLst>
     <pc:chgData name="Frank Bauernoeppel" userId="08e9d1d1b3ac9846" providerId="LiveId" clId="{565BA6EC-5A4B-4C61-9352-E8328A0A48A5}"/>
     <pc:docChg chg="undo custSel addSld delSld modSld sldOrd">
-      <pc:chgData name="Frank Bauernoeppel" userId="08e9d1d1b3ac9846" providerId="LiveId" clId="{565BA6EC-5A4B-4C61-9352-E8328A0A48A5}" dt="2025-03-30T13:42:14.463" v="418" actId="693"/>
+      <pc:chgData name="Frank Bauernoeppel" userId="08e9d1d1b3ac9846" providerId="LiveId" clId="{565BA6EC-5A4B-4C61-9352-E8328A0A48A5}" dt="2025-04-01T06:21:00.303" v="423" actId="478"/>
       <pc:docMkLst>
         <pc:docMk/>
       </pc:docMkLst>
@@ -179,14 +179,6 @@
             <ac:spMk id="12" creationId="{B7BA9E69-D51B-4A6A-463F-093A7F152515}"/>
           </ac:spMkLst>
         </pc:spChg>
-        <pc:spChg chg="add del mod">
-          <ac:chgData name="Frank Bauernoeppel" userId="08e9d1d1b3ac9846" providerId="LiveId" clId="{565BA6EC-5A4B-4C61-9352-E8328A0A48A5}" dt="2025-03-29T19:48:04.143" v="233"/>
-          <ac:spMkLst>
-            <pc:docMk/>
-            <pc:sldMk cId="2087631812" sldId="257"/>
-            <ac:spMk id="23" creationId="{084A1A24-7899-E2FA-BC22-D290538A26C4}"/>
-          </ac:spMkLst>
-        </pc:spChg>
         <pc:graphicFrameChg chg="mod modGraphic">
           <ac:chgData name="Frank Bauernoeppel" userId="08e9d1d1b3ac9846" providerId="LiveId" clId="{565BA6EC-5A4B-4C61-9352-E8328A0A48A5}" dt="2025-03-29T21:03:19.984" v="254"/>
           <ac:graphicFrameMkLst>
@@ -203,28 +195,12 @@
             <ac:picMk id="5" creationId="{03E702D6-40A3-F2BE-2BD9-0EE3A76AD4AC}"/>
           </ac:picMkLst>
         </pc:picChg>
-        <pc:cxnChg chg="add del mod">
-          <ac:chgData name="Frank Bauernoeppel" userId="08e9d1d1b3ac9846" providerId="LiveId" clId="{565BA6EC-5A4B-4C61-9352-E8328A0A48A5}" dt="2025-03-30T13:40:26.631" v="410" actId="478"/>
-          <ac:cxnSpMkLst>
-            <pc:docMk/>
-            <pc:sldMk cId="2087631812" sldId="257"/>
-            <ac:cxnSpMk id="4" creationId="{D082DBE7-E671-4E3B-74E0-833DBA05C6A6}"/>
-          </ac:cxnSpMkLst>
-        </pc:cxnChg>
         <pc:cxnChg chg="add mod">
           <ac:chgData name="Frank Bauernoeppel" userId="08e9d1d1b3ac9846" providerId="LiveId" clId="{565BA6EC-5A4B-4C61-9352-E8328A0A48A5}" dt="2025-03-29T19:07:03.740" v="216" actId="14100"/>
           <ac:cxnSpMkLst>
             <pc:docMk/>
             <pc:sldMk cId="2087631812" sldId="257"/>
             <ac:cxnSpMk id="6" creationId="{3A2ADB72-FCED-7836-377F-15D537D1654D}"/>
-          </ac:cxnSpMkLst>
-        </pc:cxnChg>
-        <pc:cxnChg chg="del">
-          <ac:chgData name="Frank Bauernoeppel" userId="08e9d1d1b3ac9846" providerId="LiveId" clId="{565BA6EC-5A4B-4C61-9352-E8328A0A48A5}" dt="2025-03-30T10:05:09.651" v="342" actId="478"/>
-          <ac:cxnSpMkLst>
-            <pc:docMk/>
-            <pc:sldMk cId="2087631812" sldId="257"/>
-            <ac:cxnSpMk id="7" creationId="{9D79FE34-8277-5E9C-CC08-050341E88C0B}"/>
           </ac:cxnSpMkLst>
         </pc:cxnChg>
         <pc:cxnChg chg="mod">
@@ -241,14 +217,6 @@
             <pc:docMk/>
             <pc:sldMk cId="2087631812" sldId="257"/>
             <ac:cxnSpMk id="9" creationId="{96FCF92F-F72A-C015-B0EE-3F43CAF0502E}"/>
-          </ac:cxnSpMkLst>
-        </pc:cxnChg>
-        <pc:cxnChg chg="add mod">
-          <ac:chgData name="Frank Bauernoeppel" userId="08e9d1d1b3ac9846" providerId="LiveId" clId="{565BA6EC-5A4B-4C61-9352-E8328A0A48A5}" dt="2025-03-30T06:18:40.175" v="328"/>
-          <ac:cxnSpMkLst>
-            <pc:docMk/>
-            <pc:sldMk cId="2087631812" sldId="257"/>
-            <ac:cxnSpMk id="10" creationId="{4430FF9F-5218-38C4-723B-9CCF8FB4B022}"/>
           </ac:cxnSpMkLst>
         </pc:cxnChg>
         <pc:cxnChg chg="add mod">
@@ -281,62 +249,6 @@
           <pc:docMk/>
           <pc:sldMk cId="3283081779" sldId="257"/>
         </pc:sldMkLst>
-        <pc:grpChg chg="add del">
-          <ac:chgData name="Frank Bauernoeppel" userId="08e9d1d1b3ac9846" providerId="LiveId" clId="{565BA6EC-5A4B-4C61-9352-E8328A0A48A5}" dt="2025-03-29T12:49:51.089" v="60" actId="478"/>
-          <ac:grpSpMkLst>
-            <pc:docMk/>
-            <pc:sldMk cId="3283081779" sldId="257"/>
-            <ac:grpSpMk id="21" creationId="{1DBB1FB1-74C1-3FD4-BADD-DC3D40EAE5E7}"/>
-          </ac:grpSpMkLst>
-        </pc:grpChg>
-        <pc:picChg chg="mod">
-          <ac:chgData name="Frank Bauernoeppel" userId="08e9d1d1b3ac9846" providerId="LiveId" clId="{565BA6EC-5A4B-4C61-9352-E8328A0A48A5}" dt="2025-03-29T12:47:28.896" v="48" actId="1076"/>
-          <ac:picMkLst>
-            <pc:docMk/>
-            <pc:sldMk cId="3283081779" sldId="257"/>
-            <ac:picMk id="27" creationId="{C7D37F73-5102-6A3A-9AE3-7D40A39D7C8E}"/>
-          </ac:picMkLst>
-        </pc:picChg>
-        <pc:inkChg chg="add del">
-          <ac:chgData name="Frank Bauernoeppel" userId="08e9d1d1b3ac9846" providerId="LiveId" clId="{565BA6EC-5A4B-4C61-9352-E8328A0A48A5}" dt="2025-03-29T12:49:51.089" v="60" actId="478"/>
-          <ac:inkMkLst>
-            <pc:docMk/>
-            <pc:sldMk cId="3283081779" sldId="257"/>
-            <ac:inkMk id="19" creationId="{99E94607-D304-39BC-4E26-0ABD0CC18082}"/>
-          </ac:inkMkLst>
-        </pc:inkChg>
-        <pc:inkChg chg="add del">
-          <ac:chgData name="Frank Bauernoeppel" userId="08e9d1d1b3ac9846" providerId="LiveId" clId="{565BA6EC-5A4B-4C61-9352-E8328A0A48A5}" dt="2025-03-29T12:49:51.240" v="61" actId="478"/>
-          <ac:inkMkLst>
-            <pc:docMk/>
-            <pc:sldMk cId="3283081779" sldId="257"/>
-            <ac:inkMk id="22" creationId="{3B0224D5-95BB-55A3-0D68-736A9337229E}"/>
-          </ac:inkMkLst>
-        </pc:inkChg>
-        <pc:inkChg chg="add del">
-          <ac:chgData name="Frank Bauernoeppel" userId="08e9d1d1b3ac9846" providerId="LiveId" clId="{565BA6EC-5A4B-4C61-9352-E8328A0A48A5}" dt="2025-03-29T12:49:51.089" v="60" actId="478"/>
-          <ac:inkMkLst>
-            <pc:docMk/>
-            <pc:sldMk cId="3283081779" sldId="257"/>
-            <ac:inkMk id="28" creationId="{26E5F8D7-D961-6AC2-B722-957E27CE3941}"/>
-          </ac:inkMkLst>
-        </pc:inkChg>
-        <pc:inkChg chg="add del">
-          <ac:chgData name="Frank Bauernoeppel" userId="08e9d1d1b3ac9846" providerId="LiveId" clId="{565BA6EC-5A4B-4C61-9352-E8328A0A48A5}" dt="2025-03-29T12:49:51.089" v="60" actId="478"/>
-          <ac:inkMkLst>
-            <pc:docMk/>
-            <pc:sldMk cId="3283081779" sldId="257"/>
-            <ac:inkMk id="29" creationId="{0949970F-BD2F-73EA-2627-F553498C6555}"/>
-          </ac:inkMkLst>
-        </pc:inkChg>
-        <pc:cxnChg chg="add del mod">
-          <ac:chgData name="Frank Bauernoeppel" userId="08e9d1d1b3ac9846" providerId="LiveId" clId="{565BA6EC-5A4B-4C61-9352-E8328A0A48A5}" dt="2025-03-29T12:49:50.906" v="59" actId="11529"/>
-          <ac:cxnSpMkLst>
-            <pc:docMk/>
-            <pc:sldMk cId="3283081779" sldId="257"/>
-            <ac:cxnSpMk id="4" creationId="{F93B4D83-D065-F2DC-A6D7-EBC09AED5B1C}"/>
-          </ac:cxnSpMkLst>
-        </pc:cxnChg>
       </pc:sldChg>
       <pc:sldChg chg="addSp delSp modSp new del mod">
         <pc:chgData name="Frank Bauernoeppel" userId="08e9d1d1b3ac9846" providerId="LiveId" clId="{565BA6EC-5A4B-4C61-9352-E8328A0A48A5}" dt="2025-03-29T14:30:13.370" v="146" actId="2696"/>
@@ -344,86 +256,6 @@
           <pc:docMk/>
           <pc:sldMk cId="4089643093" sldId="257"/>
         </pc:sldMkLst>
-        <pc:spChg chg="mod">
-          <ac:chgData name="Frank Bauernoeppel" userId="08e9d1d1b3ac9846" providerId="LiveId" clId="{565BA6EC-5A4B-4C61-9352-E8328A0A48A5}" dt="2025-03-29T13:25:03.095" v="67"/>
-          <ac:spMkLst>
-            <pc:docMk/>
-            <pc:sldMk cId="4089643093" sldId="257"/>
-            <ac:spMk id="2" creationId="{5B5499E0-DBFB-7AD9-FC5E-D74CDDDA7BCE}"/>
-          </ac:spMkLst>
-        </pc:spChg>
-        <pc:spChg chg="del">
-          <ac:chgData name="Frank Bauernoeppel" userId="08e9d1d1b3ac9846" providerId="LiveId" clId="{565BA6EC-5A4B-4C61-9352-E8328A0A48A5}" dt="2025-03-29T13:24:32.832" v="64"/>
-          <ac:spMkLst>
-            <pc:docMk/>
-            <pc:sldMk cId="4089643093" sldId="257"/>
-            <ac:spMk id="3" creationId="{990D48B9-314C-C82B-6D09-70A7C30C4A29}"/>
-          </ac:spMkLst>
-        </pc:spChg>
-        <pc:spChg chg="add del">
-          <ac:chgData name="Frank Bauernoeppel" userId="08e9d1d1b3ac9846" providerId="LiveId" clId="{565BA6EC-5A4B-4C61-9352-E8328A0A48A5}" dt="2025-03-29T13:32:52.747" v="125" actId="478"/>
-          <ac:spMkLst>
-            <pc:docMk/>
-            <pc:sldMk cId="4089643093" sldId="257"/>
-            <ac:spMk id="11" creationId="{35B1059C-FB4A-9146-739C-F2688B9E222D}"/>
-          </ac:spMkLst>
-        </pc:spChg>
-        <pc:spChg chg="add mod">
-          <ac:chgData name="Frank Bauernoeppel" userId="08e9d1d1b3ac9846" providerId="LiveId" clId="{565BA6EC-5A4B-4C61-9352-E8328A0A48A5}" dt="2025-03-29T13:49:59.842" v="145" actId="1076"/>
-          <ac:spMkLst>
-            <pc:docMk/>
-            <pc:sldMk cId="4089643093" sldId="257"/>
-            <ac:spMk id="16" creationId="{A59BF7C7-F482-95F6-4625-E1FA9706356C}"/>
-          </ac:spMkLst>
-        </pc:spChg>
-        <pc:graphicFrameChg chg="add mod">
-          <ac:chgData name="Frank Bauernoeppel" userId="08e9d1d1b3ac9846" providerId="LiveId" clId="{565BA6EC-5A4B-4C61-9352-E8328A0A48A5}" dt="2025-03-29T13:39:40.751" v="126"/>
-          <ac:graphicFrameMkLst>
-            <pc:docMk/>
-            <pc:sldMk cId="4089643093" sldId="257"/>
-            <ac:graphicFrameMk id="12" creationId="{8D499054-E99C-4A72-176E-E19DCF6C52EC}"/>
-          </ac:graphicFrameMkLst>
-        </pc:graphicFrameChg>
-        <pc:graphicFrameChg chg="add mod modGraphic">
-          <ac:chgData name="Frank Bauernoeppel" userId="08e9d1d1b3ac9846" providerId="LiveId" clId="{565BA6EC-5A4B-4C61-9352-E8328A0A48A5}" dt="2025-03-29T13:40:25.624" v="135" actId="1076"/>
-          <ac:graphicFrameMkLst>
-            <pc:docMk/>
-            <pc:sldMk cId="4089643093" sldId="257"/>
-            <ac:graphicFrameMk id="13" creationId="{A2526257-4F02-C745-355A-7EE7EA227C4E}"/>
-          </ac:graphicFrameMkLst>
-        </pc:graphicFrameChg>
-        <pc:graphicFrameChg chg="add mod modGraphic">
-          <ac:chgData name="Frank Bauernoeppel" userId="08e9d1d1b3ac9846" providerId="LiveId" clId="{565BA6EC-5A4B-4C61-9352-E8328A0A48A5}" dt="2025-03-29T13:48:47.891" v="143" actId="1076"/>
-          <ac:graphicFrameMkLst>
-            <pc:docMk/>
-            <pc:sldMk cId="4089643093" sldId="257"/>
-            <ac:graphicFrameMk id="14" creationId="{97546E00-6EBF-65B8-0B0C-C02BC33FF269}"/>
-          </ac:graphicFrameMkLst>
-        </pc:graphicFrameChg>
-        <pc:picChg chg="add mod">
-          <ac:chgData name="Frank Bauernoeppel" userId="08e9d1d1b3ac9846" providerId="LiveId" clId="{565BA6EC-5A4B-4C61-9352-E8328A0A48A5}" dt="2025-03-29T13:24:34.596" v="66" actId="962"/>
-          <ac:picMkLst>
-            <pc:docMk/>
-            <pc:sldMk cId="4089643093" sldId="257"/>
-            <ac:picMk id="5" creationId="{03E702D6-40A3-F2BE-2BD9-0EE3A76AD4AC}"/>
-          </ac:picMkLst>
-        </pc:picChg>
-        <pc:cxnChg chg="add mod">
-          <ac:chgData name="Frank Bauernoeppel" userId="08e9d1d1b3ac9846" providerId="LiveId" clId="{565BA6EC-5A4B-4C61-9352-E8328A0A48A5}" dt="2025-03-29T13:30:03.910" v="120" actId="1076"/>
-          <ac:cxnSpMkLst>
-            <pc:docMk/>
-            <pc:sldMk cId="4089643093" sldId="257"/>
-            <ac:cxnSpMk id="7" creationId="{9D79FE34-8277-5E9C-CC08-050341E88C0B}"/>
-          </ac:cxnSpMkLst>
-        </pc:cxnChg>
-        <pc:cxnChg chg="add mod">
-          <ac:chgData name="Frank Bauernoeppel" userId="08e9d1d1b3ac9846" providerId="LiveId" clId="{565BA6EC-5A4B-4C61-9352-E8328A0A48A5}" dt="2025-03-29T13:30:15.251" v="123" actId="1076"/>
-          <ac:cxnSpMkLst>
-            <pc:docMk/>
-            <pc:sldMk cId="4089643093" sldId="257"/>
-            <ac:cxnSpMk id="8" creationId="{8D6ABFD2-AF3C-D644-7091-89B4D01864FB}"/>
-          </ac:cxnSpMkLst>
-        </pc:cxnChg>
       </pc:sldChg>
       <pc:sldChg chg="addSp delSp modSp add mod ord">
         <pc:chgData name="Frank Bauernoeppel" userId="08e9d1d1b3ac9846" providerId="LiveId" clId="{565BA6EC-5A4B-4C61-9352-E8328A0A48A5}" dt="2025-03-30T10:15:01.668" v="404"/>
@@ -519,14 +351,6 @@
             <ac:cxnSpMk id="13" creationId="{C75EEA64-F73B-7472-D1AB-1AC73D6C24AE}"/>
           </ac:cxnSpMkLst>
         </pc:cxnChg>
-        <pc:cxnChg chg="add del mod">
-          <ac:chgData name="Frank Bauernoeppel" userId="08e9d1d1b3ac9846" providerId="LiveId" clId="{565BA6EC-5A4B-4C61-9352-E8328A0A48A5}" dt="2025-03-30T10:14:56.693" v="403" actId="478"/>
-          <ac:cxnSpMkLst>
-            <pc:docMk/>
-            <pc:sldMk cId="939244012" sldId="258"/>
-            <ac:cxnSpMk id="14" creationId="{13E58B4B-A9F9-9D20-DC6B-EACC60A1DDB6}"/>
-          </ac:cxnSpMkLst>
-        </pc:cxnChg>
         <pc:cxnChg chg="add mod">
           <ac:chgData name="Frank Bauernoeppel" userId="08e9d1d1b3ac9846" providerId="LiveId" clId="{565BA6EC-5A4B-4C61-9352-E8328A0A48A5}" dt="2025-03-30T10:15:01.668" v="404"/>
           <ac:cxnSpMkLst>
@@ -542,14 +366,6 @@
           <pc:docMk/>
           <pc:sldMk cId="3888743518" sldId="258"/>
         </pc:sldMkLst>
-        <pc:spChg chg="mod">
-          <ac:chgData name="Frank Bauernoeppel" userId="08e9d1d1b3ac9846" providerId="LiveId" clId="{565BA6EC-5A4B-4C61-9352-E8328A0A48A5}" dt="2025-03-29T13:25:29.816" v="69"/>
-          <ac:spMkLst>
-            <pc:docMk/>
-            <pc:sldMk cId="3888743518" sldId="258"/>
-            <ac:spMk id="2" creationId="{3010E5D6-8597-8D65-3C37-647FA3883028}"/>
-          </ac:spMkLst>
-        </pc:spChg>
       </pc:sldChg>
       <pc:sldChg chg="del">
         <pc:chgData name="Frank Bauernoeppel" userId="08e9d1d1b3ac9846" providerId="LiveId" clId="{565BA6EC-5A4B-4C61-9352-E8328A0A48A5}" dt="2025-03-29T13:24:26.345" v="62" actId="47"/>
@@ -564,22 +380,6 @@
           <pc:docMk/>
           <pc:sldMk cId="1116740655" sldId="259"/>
         </pc:sldMkLst>
-        <pc:spChg chg="mod">
-          <ac:chgData name="Frank Bauernoeppel" userId="08e9d1d1b3ac9846" providerId="LiveId" clId="{565BA6EC-5A4B-4C61-9352-E8328A0A48A5}" dt="2025-03-29T13:25:41.813" v="71"/>
-          <ac:spMkLst>
-            <pc:docMk/>
-            <pc:sldMk cId="1116740655" sldId="259"/>
-            <ac:spMk id="2" creationId="{9A48C679-3FF6-6FF1-F6EE-8FF0B436E813}"/>
-          </ac:spMkLst>
-        </pc:spChg>
-        <pc:spChg chg="add del">
-          <ac:chgData name="Frank Bauernoeppel" userId="08e9d1d1b3ac9846" providerId="LiveId" clId="{565BA6EC-5A4B-4C61-9352-E8328A0A48A5}" dt="2025-03-29T13:25:58.257" v="73" actId="22"/>
-          <ac:spMkLst>
-            <pc:docMk/>
-            <pc:sldMk cId="1116740655" sldId="259"/>
-            <ac:spMk id="4" creationId="{73DD95AC-0AFC-E591-F429-28093B902E89}"/>
-          </ac:spMkLst>
-        </pc:spChg>
       </pc:sldChg>
       <pc:sldChg chg="del">
         <pc:chgData name="Frank Bauernoeppel" userId="08e9d1d1b3ac9846" providerId="LiveId" clId="{565BA6EC-5A4B-4C61-9352-E8328A0A48A5}" dt="2025-03-29T13:24:26.345" v="62" actId="47"/>
@@ -624,14 +424,6 @@
             <pc:docMk/>
             <pc:sldMk cId="3687463488" sldId="259"/>
             <ac:spMk id="11" creationId="{72DB5FF2-CAA8-F382-8FF8-7BB957D3CD7D}"/>
-          </ac:spMkLst>
-        </pc:spChg>
-        <pc:spChg chg="add del mod">
-          <ac:chgData name="Frank Bauernoeppel" userId="08e9d1d1b3ac9846" providerId="LiveId" clId="{565BA6EC-5A4B-4C61-9352-E8328A0A48A5}" dt="2025-03-30T10:10:52.163" v="379" actId="478"/>
-          <ac:spMkLst>
-            <pc:docMk/>
-            <pc:sldMk cId="3687463488" sldId="259"/>
-            <ac:spMk id="12" creationId="{11018C5B-6359-5CF7-F4C3-5899E6838671}"/>
           </ac:spMkLst>
         </pc:spChg>
         <pc:spChg chg="add mod">
@@ -682,22 +474,6 @@
             <ac:cxnSpMk id="13" creationId="{A8F05292-4C93-77CD-E5E2-CC6D61E6C08D}"/>
           </ac:cxnSpMkLst>
         </pc:cxnChg>
-        <pc:cxnChg chg="add del mod">
-          <ac:chgData name="Frank Bauernoeppel" userId="08e9d1d1b3ac9846" providerId="LiveId" clId="{565BA6EC-5A4B-4C61-9352-E8328A0A48A5}" dt="2025-03-30T10:15:05.400" v="405" actId="478"/>
-          <ac:cxnSpMkLst>
-            <pc:docMk/>
-            <pc:sldMk cId="3687463488" sldId="259"/>
-            <ac:cxnSpMk id="14" creationId="{A4E98059-67D4-AB8F-4341-6DE090687030}"/>
-          </ac:cxnSpMkLst>
-        </pc:cxnChg>
-        <pc:cxnChg chg="add del mod">
-          <ac:chgData name="Frank Bauernoeppel" userId="08e9d1d1b3ac9846" providerId="LiveId" clId="{565BA6EC-5A4B-4C61-9352-E8328A0A48A5}" dt="2025-03-30T10:11:11.509" v="381" actId="478"/>
-          <ac:cxnSpMkLst>
-            <pc:docMk/>
-            <pc:sldMk cId="3687463488" sldId="259"/>
-            <ac:cxnSpMk id="15" creationId="{E4B08E1B-644E-ECEF-E358-0BAA12A4C864}"/>
-          </ac:cxnSpMkLst>
-        </pc:cxnChg>
         <pc:cxnChg chg="add mod">
           <ac:chgData name="Frank Bauernoeppel" userId="08e9d1d1b3ac9846" providerId="LiveId" clId="{565BA6EC-5A4B-4C61-9352-E8328A0A48A5}" dt="2025-03-30T10:12:08.034" v="396" actId="1037"/>
           <ac:cxnSpMkLst>
@@ -728,38 +504,6 @@
           <pc:docMk/>
           <pc:sldMk cId="3301525525" sldId="260"/>
         </pc:sldMkLst>
-        <pc:spChg chg="mod">
-          <ac:chgData name="Frank Bauernoeppel" userId="08e9d1d1b3ac9846" providerId="LiveId" clId="{565BA6EC-5A4B-4C61-9352-E8328A0A48A5}" dt="2025-03-29T13:26:13.681" v="75"/>
-          <ac:spMkLst>
-            <pc:docMk/>
-            <pc:sldMk cId="3301525525" sldId="260"/>
-            <ac:spMk id="2" creationId="{F1839CD8-82B7-2CAD-1D3C-A071D1F13DD2}"/>
-          </ac:spMkLst>
-        </pc:spChg>
-        <pc:spChg chg="add mod">
-          <ac:chgData name="Frank Bauernoeppel" userId="08e9d1d1b3ac9846" providerId="LiveId" clId="{565BA6EC-5A4B-4C61-9352-E8328A0A48A5}" dt="2025-03-29T14:31:33.820" v="161"/>
-          <ac:spMkLst>
-            <pc:docMk/>
-            <pc:sldMk cId="3301525525" sldId="260"/>
-            <ac:spMk id="7" creationId="{E5630AC3-832A-35CF-9F79-545015034422}"/>
-          </ac:spMkLst>
-        </pc:spChg>
-        <pc:graphicFrameChg chg="add mod">
-          <ac:chgData name="Frank Bauernoeppel" userId="08e9d1d1b3ac9846" providerId="LiveId" clId="{565BA6EC-5A4B-4C61-9352-E8328A0A48A5}" dt="2025-03-29T14:30:41.699" v="150"/>
-          <ac:graphicFrameMkLst>
-            <pc:docMk/>
-            <pc:sldMk cId="3301525525" sldId="260"/>
-            <ac:graphicFrameMk id="3" creationId="{FF86DFB2-3BB2-4672-0D11-67658438D26D}"/>
-          </ac:graphicFrameMkLst>
-        </pc:graphicFrameChg>
-        <pc:graphicFrameChg chg="add mod">
-          <ac:chgData name="Frank Bauernoeppel" userId="08e9d1d1b3ac9846" providerId="LiveId" clId="{565BA6EC-5A4B-4C61-9352-E8328A0A48A5}" dt="2025-03-29T14:30:41.699" v="150"/>
-          <ac:graphicFrameMkLst>
-            <pc:docMk/>
-            <pc:sldMk cId="3301525525" sldId="260"/>
-            <ac:graphicFrameMk id="4" creationId="{FB84E406-2B75-EA60-2384-5CD4B44C21AF}"/>
-          </ac:graphicFrameMkLst>
-        </pc:graphicFrameChg>
       </pc:sldChg>
       <pc:sldChg chg="addSp delSp modSp add mod ord">
         <pc:chgData name="Frank Bauernoeppel" userId="08e9d1d1b3ac9846" providerId="LiveId" clId="{565BA6EC-5A4B-4C61-9352-E8328A0A48A5}" dt="2025-03-30T10:09:36.941" v="377" actId="478"/>
@@ -789,14 +533,6 @@
             <pc:docMk/>
             <pc:sldMk cId="3991398481" sldId="260"/>
             <ac:spMk id="10" creationId="{3F10264C-733F-AA6A-E6FB-CBD01D6DBEA3}"/>
-          </ac:spMkLst>
-        </pc:spChg>
-        <pc:spChg chg="add del mod">
-          <ac:chgData name="Frank Bauernoeppel" userId="08e9d1d1b3ac9846" providerId="LiveId" clId="{565BA6EC-5A4B-4C61-9352-E8328A0A48A5}" dt="2025-03-30T10:09:32.070" v="376" actId="478"/>
-          <ac:spMkLst>
-            <pc:docMk/>
-            <pc:sldMk cId="3991398481" sldId="260"/>
-            <ac:spMk id="11" creationId="{58C33105-7F4B-FDFE-FE3C-B72D0297F29A}"/>
           </ac:spMkLst>
         </pc:spChg>
         <pc:spChg chg="add mod">
@@ -839,14 +575,6 @@
             <ac:cxnSpMk id="13" creationId="{0774A7F5-5DFB-9EFC-4F93-314D80222BA3}"/>
           </ac:cxnSpMkLst>
         </pc:cxnChg>
-        <pc:cxnChg chg="add del mod">
-          <ac:chgData name="Frank Bauernoeppel" userId="08e9d1d1b3ac9846" providerId="LiveId" clId="{565BA6EC-5A4B-4C61-9352-E8328A0A48A5}" dt="2025-03-30T10:09:36.941" v="377" actId="478"/>
-          <ac:cxnSpMkLst>
-            <pc:docMk/>
-            <pc:sldMk cId="3991398481" sldId="260"/>
-            <ac:cxnSpMk id="14" creationId="{FA5FFAAB-3DC1-0223-46B5-324D0C6CB9FB}"/>
-          </ac:cxnSpMkLst>
-        </pc:cxnChg>
         <pc:cxnChg chg="add mod">
           <ac:chgData name="Frank Bauernoeppel" userId="08e9d1d1b3ac9846" providerId="LiveId" clId="{565BA6EC-5A4B-4C61-9352-E8328A0A48A5}" dt="2025-03-30T10:09:17.050" v="375"/>
           <ac:cxnSpMkLst>
@@ -871,8 +599,8 @@
           <pc:sldMk cId="525024605" sldId="261"/>
         </pc:sldMkLst>
       </pc:sldChg>
-      <pc:sldChg chg="addSp modSp add mod">
-        <pc:chgData name="Frank Bauernoeppel" userId="08e9d1d1b3ac9846" providerId="LiveId" clId="{565BA6EC-5A4B-4C61-9352-E8328A0A48A5}" dt="2025-03-30T10:09:03.169" v="374"/>
+      <pc:sldChg chg="addSp delSp modSp add mod">
+        <pc:chgData name="Frank Bauernoeppel" userId="08e9d1d1b3ac9846" providerId="LiveId" clId="{565BA6EC-5A4B-4C61-9352-E8328A0A48A5}" dt="2025-04-01T06:21:00.303" v="423" actId="478"/>
         <pc:sldMkLst>
           <pc:docMk/>
           <pc:sldMk cId="3492074713" sldId="261"/>
@@ -917,6 +645,14 @@
             <ac:spMk id="12" creationId="{10E097C6-541B-B68D-C029-096C546F8464}"/>
           </ac:spMkLst>
         </pc:spChg>
+        <pc:spChg chg="add del mod">
+          <ac:chgData name="Frank Bauernoeppel" userId="08e9d1d1b3ac9846" providerId="LiveId" clId="{565BA6EC-5A4B-4C61-9352-E8328A0A48A5}" dt="2025-04-01T06:21:00.303" v="423" actId="478"/>
+          <ac:spMkLst>
+            <pc:docMk/>
+            <pc:sldMk cId="3492074713" sldId="261"/>
+            <ac:spMk id="20" creationId="{EC6186C4-C4B3-B004-0FB3-82F5BF7EB6C1}"/>
+          </ac:spMkLst>
+        </pc:spChg>
         <pc:graphicFrameChg chg="add mod modGraphic">
           <ac:chgData name="Frank Bauernoeppel" userId="08e9d1d1b3ac9846" providerId="LiveId" clId="{565BA6EC-5A4B-4C61-9352-E8328A0A48A5}" dt="2025-03-29T21:03:07.581" v="246"/>
           <ac:graphicFrameMkLst>
@@ -933,6 +669,30 @@
             <ac:graphicFrameMk id="4" creationId="{4D072BED-841B-82A1-985C-94097CBE70EF}"/>
           </ac:graphicFrameMkLst>
         </pc:graphicFrameChg>
+        <pc:picChg chg="add del">
+          <ac:chgData name="Frank Bauernoeppel" userId="08e9d1d1b3ac9846" providerId="LiveId" clId="{565BA6EC-5A4B-4C61-9352-E8328A0A48A5}" dt="2025-04-01T06:21:00.303" v="423" actId="478"/>
+          <ac:picMkLst>
+            <pc:docMk/>
+            <pc:sldMk cId="3492074713" sldId="261"/>
+            <ac:picMk id="5" creationId="{ECA27D85-B288-B209-4DA4-BA46DB6FA4D2}"/>
+          </ac:picMkLst>
+        </pc:picChg>
+        <pc:picChg chg="add mod">
+          <ac:chgData name="Frank Bauernoeppel" userId="08e9d1d1b3ac9846" providerId="LiveId" clId="{565BA6EC-5A4B-4C61-9352-E8328A0A48A5}" dt="2025-04-01T06:20:21.077" v="419"/>
+          <ac:picMkLst>
+            <pc:docMk/>
+            <pc:sldMk cId="3492074713" sldId="261"/>
+            <ac:picMk id="18" creationId="{1E33CD59-4C47-25F8-9B8F-900C977B1108}"/>
+          </ac:picMkLst>
+        </pc:picChg>
+        <pc:picChg chg="add mod">
+          <ac:chgData name="Frank Bauernoeppel" userId="08e9d1d1b3ac9846" providerId="LiveId" clId="{565BA6EC-5A4B-4C61-9352-E8328A0A48A5}" dt="2025-04-01T06:20:59.520" v="422"/>
+          <ac:picMkLst>
+            <pc:docMk/>
+            <pc:sldMk cId="3492074713" sldId="261"/>
+            <ac:picMk id="22" creationId="{BA061254-6612-71B0-3D36-B583232A55B8}"/>
+          </ac:picMkLst>
+        </pc:picChg>
         <pc:cxnChg chg="add mod">
           <ac:chgData name="Frank Bauernoeppel" userId="08e9d1d1b3ac9846" providerId="LiveId" clId="{565BA6EC-5A4B-4C61-9352-E8328A0A48A5}" dt="2025-03-30T06:18:36.014" v="324"/>
           <ac:cxnSpMkLst>
@@ -1099,38 +859,6 @@
           <pc:docMk/>
           <pc:sldMk cId="4009489395" sldId="263"/>
         </pc:sldMkLst>
-        <pc:spChg chg="mod">
-          <ac:chgData name="Frank Bauernoeppel" userId="08e9d1d1b3ac9846" providerId="LiveId" clId="{565BA6EC-5A4B-4C61-9352-E8328A0A48A5}" dt="2025-03-29T14:34:13.110" v="183" actId="20577"/>
-          <ac:spMkLst>
-            <pc:docMk/>
-            <pc:sldMk cId="4009489395" sldId="263"/>
-            <ac:spMk id="2" creationId="{07894112-F78D-6A06-F7D2-187F50C59299}"/>
-          </ac:spMkLst>
-        </pc:spChg>
-        <pc:spChg chg="add mod">
-          <ac:chgData name="Frank Bauernoeppel" userId="08e9d1d1b3ac9846" providerId="LiveId" clId="{565BA6EC-5A4B-4C61-9352-E8328A0A48A5}" dt="2025-03-29T14:33:05.449" v="171"/>
-          <ac:spMkLst>
-            <pc:docMk/>
-            <pc:sldMk cId="4009489395" sldId="263"/>
-            <ac:spMk id="7" creationId="{1DA368DC-C2CE-B3E8-6D18-90438B8432C0}"/>
-          </ac:spMkLst>
-        </pc:spChg>
-        <pc:graphicFrameChg chg="add mod modGraphic">
-          <ac:chgData name="Frank Bauernoeppel" userId="08e9d1d1b3ac9846" providerId="LiveId" clId="{565BA6EC-5A4B-4C61-9352-E8328A0A48A5}" dt="2025-03-29T21:03:01.127" v="242"/>
-          <ac:graphicFrameMkLst>
-            <pc:docMk/>
-            <pc:sldMk cId="4009489395" sldId="263"/>
-            <ac:graphicFrameMk id="3" creationId="{D4532231-4EF7-C1F7-CF93-AA8DAC7D04BA}"/>
-          </ac:graphicFrameMkLst>
-        </pc:graphicFrameChg>
-        <pc:graphicFrameChg chg="add mod">
-          <ac:chgData name="Frank Bauernoeppel" userId="08e9d1d1b3ac9846" providerId="LiveId" clId="{565BA6EC-5A4B-4C61-9352-E8328A0A48A5}" dt="2025-03-29T14:30:47.390" v="153"/>
-          <ac:graphicFrameMkLst>
-            <pc:docMk/>
-            <pc:sldMk cId="4009489395" sldId="263"/>
-            <ac:graphicFrameMk id="4" creationId="{703F4774-0352-A02D-4486-7D68AC15B49F}"/>
-          </ac:graphicFrameMkLst>
-        </pc:graphicFrameChg>
       </pc:sldChg>
       <pc:sldChg chg="addSp modSp add mod">
         <pc:chgData name="Frank Bauernoeppel" userId="08e9d1d1b3ac9846" providerId="LiveId" clId="{565BA6EC-5A4B-4C61-9352-E8328A0A48A5}" dt="2025-03-30T10:15:11.045" v="407"/>
@@ -1417,14 +1145,6 @@
           </ac:cxnSpMkLst>
         </pc:cxnChg>
         <pc:cxnChg chg="add mod">
-          <ac:chgData name="Frank Bauernoeppel" userId="08e9d1d1b3ac9846" providerId="LiveId" clId="{565BA6EC-5A4B-4C61-9352-E8328A0A48A5}" dt="2025-03-30T10:04:09.858" v="331" actId="14100"/>
-          <ac:cxnSpMkLst>
-            <pc:docMk/>
-            <pc:sldMk cId="1865865414" sldId="266"/>
-            <ac:cxnSpMk id="13" creationId="{99D6FCB9-4865-B2A3-442A-F3EEC5809676}"/>
-          </ac:cxnSpMkLst>
-        </pc:cxnChg>
-        <pc:cxnChg chg="add mod">
           <ac:chgData name="Frank Bauernoeppel" userId="08e9d1d1b3ac9846" providerId="LiveId" clId="{565BA6EC-5A4B-4C61-9352-E8328A0A48A5}" dt="2025-03-30T10:04:30.315" v="334" actId="1076"/>
           <ac:cxnSpMkLst>
             <pc:docMk/>
@@ -1615,7 +1335,7 @@
           <a:p>
             <a:fld id="{E50F03FC-34B7-40EE-86F2-B739F1051BC2}" type="datetimeFigureOut">
               <a:rPr lang="en-US" smtClean="0"/>
-              <a:t>3/30/2025</a:t>
+              <a:t>4/1/2025</a:t>
             </a:fld>
             <a:endParaRPr lang="en-US"/>
           </a:p>
@@ -2032,7 +1752,7 @@
           <a:p>
             <a:fld id="{52529E06-579E-4FA4-8887-115257CC5D02}" type="datetime1">
               <a:rPr lang="en-US" smtClean="0"/>
-              <a:t>3/30/2025</a:t>
+              <a:t>4/1/2025</a:t>
             </a:fld>
             <a:endParaRPr lang="en-US"/>
           </a:p>
@@ -2232,7 +1952,7 @@
           <a:p>
             <a:fld id="{6A9D26B5-1533-4B15-A0BB-7F2A7752FCFF}" type="datetime1">
               <a:rPr lang="en-US" smtClean="0"/>
-              <a:t>3/30/2025</a:t>
+              <a:t>4/1/2025</a:t>
             </a:fld>
             <a:endParaRPr lang="en-US"/>
           </a:p>
@@ -2442,7 +2162,7 @@
           <a:p>
             <a:fld id="{6784128F-A600-483F-AC48-904EE23D30EB}" type="datetime1">
               <a:rPr lang="en-US" smtClean="0"/>
-              <a:t>3/30/2025</a:t>
+              <a:t>4/1/2025</a:t>
             </a:fld>
             <a:endParaRPr lang="en-US"/>
           </a:p>
@@ -2642,7 +2362,7 @@
           <a:p>
             <a:fld id="{2C3027E3-B60D-440A-ADD5-4C81F456D165}" type="datetime1">
               <a:rPr lang="en-US" smtClean="0"/>
-              <a:t>3/30/2025</a:t>
+              <a:t>4/1/2025</a:t>
             </a:fld>
             <a:endParaRPr lang="en-US"/>
           </a:p>
@@ -2918,7 +2638,7 @@
           <a:p>
             <a:fld id="{766995FF-F0C3-43C4-9E8E-36EB1AEBF41D}" type="datetime1">
               <a:rPr lang="en-US" smtClean="0"/>
-              <a:t>3/30/2025</a:t>
+              <a:t>4/1/2025</a:t>
             </a:fld>
             <a:endParaRPr lang="en-US"/>
           </a:p>
@@ -3186,7 +2906,7 @@
           <a:p>
             <a:fld id="{9E5F6A36-B186-4BB9-BC28-2D9513AE19E2}" type="datetime1">
               <a:rPr lang="en-US" smtClean="0"/>
-              <a:t>3/30/2025</a:t>
+              <a:t>4/1/2025</a:t>
             </a:fld>
             <a:endParaRPr lang="en-US"/>
           </a:p>
@@ -3601,7 +3321,7 @@
           <a:p>
             <a:fld id="{80B8F621-18FC-48E5-900B-39914307F026}" type="datetime1">
               <a:rPr lang="en-US" smtClean="0"/>
-              <a:t>3/30/2025</a:t>
+              <a:t>4/1/2025</a:t>
             </a:fld>
             <a:endParaRPr lang="en-US"/>
           </a:p>
@@ -3743,7 +3463,7 @@
           <a:p>
             <a:fld id="{37E66EF7-D6B2-45B0-8EBF-DD8B0F528AA8}" type="datetime1">
               <a:rPr lang="en-US" smtClean="0"/>
-              <a:t>3/30/2025</a:t>
+              <a:t>4/1/2025</a:t>
             </a:fld>
             <a:endParaRPr lang="en-US"/>
           </a:p>
@@ -3856,7 +3576,7 @@
           <a:p>
             <a:fld id="{75E6142F-F565-41AE-8540-3D4026F482E1}" type="datetime1">
               <a:rPr lang="en-US" smtClean="0"/>
-              <a:t>3/30/2025</a:t>
+              <a:t>4/1/2025</a:t>
             </a:fld>
             <a:endParaRPr lang="en-US"/>
           </a:p>
@@ -4169,7 +3889,7 @@
           <a:p>
             <a:fld id="{BF06F0E7-29FA-4C8C-B91B-42DBFF6481C0}" type="datetime1">
               <a:rPr lang="en-US" smtClean="0"/>
-              <a:t>3/30/2025</a:t>
+              <a:t>4/1/2025</a:t>
             </a:fld>
             <a:endParaRPr lang="en-US"/>
           </a:p>
@@ -4458,7 +4178,7 @@
           <a:p>
             <a:fld id="{240BDD34-A8B7-402A-8777-14A043DACB75}" type="datetime1">
               <a:rPr lang="en-US" smtClean="0"/>
-              <a:t>3/30/2025</a:t>
+              <a:t>4/1/2025</a:t>
             </a:fld>
             <a:endParaRPr lang="en-US"/>
           </a:p>
@@ -4701,7 +4421,7 @@
           <a:p>
             <a:fld id="{07D3846B-9EA1-4913-9114-800E10AE3175}" type="datetime1">
               <a:rPr lang="en-US" smtClean="0"/>
-              <a:t>3/30/2025</a:t>
+              <a:t>4/1/2025</a:t>
             </a:fld>
             <a:endParaRPr lang="en-US"/>
           </a:p>
